--- a/Projeto/Higiliquidos- Apliacação de gestão de Stock e Vendas.pptx
+++ b/Projeto/Higiliquidos- Apliacação de gestão de Stock e Vendas.pptx
@@ -14784,7 +14784,9 @@
         </p:nvSpPr>
         <p:spPr/>
         <p:txBody>
-          <a:bodyPr/>
+          <a:bodyPr>
+            <a:normAutofit lnSpcReduction="10000"/>
+          </a:bodyPr>
           <a:lstStyle/>
           <a:p>
             <a:pPr marL="342900" indent="-342900">
@@ -14813,7 +14815,7 @@
             </a:pPr>
             <a:r>
               <a:rPr lang="pt-PT" dirty="0"/>
-              <a:t>Listar Pessoas</a:t>
+              <a:t>Listar/Adicionar Empresa </a:t>
             </a:r>
           </a:p>
           <a:p>
@@ -14823,7 +14825,7 @@
             </a:pPr>
             <a:r>
               <a:rPr lang="pt-PT" dirty="0"/>
-              <a:t>Listar Funcionário, Clientes, Fornecedores</a:t>
+              <a:t>Listar/Adicionar Pessoas</a:t>
             </a:r>
           </a:p>
           <a:p>
@@ -14833,7 +14835,7 @@
             </a:pPr>
             <a:r>
               <a:rPr lang="pt-PT" dirty="0"/>
-              <a:t>Listar Distribuidor, Gerente, Vendedor</a:t>
+              <a:t>Listar/Adicionar Funcionário, Clientes, Fornecedores</a:t>
             </a:r>
           </a:p>
           <a:p>
@@ -14843,7 +14845,57 @@
             </a:pPr>
             <a:r>
               <a:rPr lang="pt-PT" dirty="0"/>
-              <a:t>Continuar…</a:t>
+              <a:t>Listar/Adicionar Distribuidor, Gerente, Vendedor</a:t>
+            </a:r>
+          </a:p>
+          <a:p>
+            <a:pPr marL="571500" lvl="1" indent="-342900">
+              <a:buFont typeface="Arial" panose="020B0604020202020204" pitchFamily="34" charset="0"/>
+              <a:buChar char="•"/>
+            </a:pPr>
+            <a:r>
+              <a:rPr lang="pt-PT" dirty="0"/>
+              <a:t>Listar/Adicionar Compras</a:t>
+            </a:r>
+          </a:p>
+          <a:p>
+            <a:pPr marL="571500" lvl="1" indent="-342900">
+              <a:buFont typeface="Arial" panose="020B0604020202020204" pitchFamily="34" charset="0"/>
+              <a:buChar char="•"/>
+            </a:pPr>
+            <a:r>
+              <a:rPr lang="pt-PT" dirty="0"/>
+              <a:t>Listar/Adicionar Vendas</a:t>
+            </a:r>
+          </a:p>
+          <a:p>
+            <a:pPr marL="571500" lvl="1" indent="-342900">
+              <a:buFont typeface="Arial" panose="020B0604020202020204" pitchFamily="34" charset="0"/>
+              <a:buChar char="•"/>
+            </a:pPr>
+            <a:r>
+              <a:rPr lang="pt-PT" dirty="0"/>
+              <a:t>Listar/Adicionar Produtos</a:t>
+            </a:r>
+          </a:p>
+          <a:p>
+            <a:pPr marL="571500" lvl="1" indent="-342900">
+              <a:buFont typeface="Arial" panose="020B0604020202020204" pitchFamily="34" charset="0"/>
+              <a:buChar char="•"/>
+            </a:pPr>
+            <a:r>
+              <a:rPr lang="pt-PT" dirty="0"/>
+              <a:t>Listar/Adicionar Armazéns</a:t>
+            </a:r>
+          </a:p>
+          <a:p>
+            <a:pPr marL="571500" lvl="1" indent="-342900">
+              <a:buFont typeface="Arial" panose="020B0604020202020204" pitchFamily="34" charset="0"/>
+              <a:buChar char="•"/>
+            </a:pPr>
+            <a:r>
+              <a:rPr lang="pt-PT" dirty="0"/>
+              <a:t>Listar/Adicionar Carrinhas</a:t>
             </a:r>
           </a:p>
           <a:p>
@@ -14907,7 +14959,10 @@
           <a:bodyPr/>
           <a:lstStyle/>
           <a:p>
-            <a:endParaRPr lang="pt-PT"/>
+            <a:r>
+              <a:rPr lang="pt-PT" dirty="0"/>
+              <a:t>Trabalho Futuro</a:t>
+            </a:r>
           </a:p>
         </p:txBody>
       </p:sp>
@@ -14932,7 +14987,76 @@
           <a:bodyPr/>
           <a:lstStyle/>
           <a:p>
-            <a:endParaRPr lang="pt-PT"/>
+            <a:r>
+              <a:rPr lang="pt-PT" dirty="0"/>
+              <a:t> No futuro queremos ainda implementar outras funcionalidades mais uteis como o Listar, Adicionar e ainda Remover para entidades especificas:</a:t>
+            </a:r>
+          </a:p>
+          <a:p>
+            <a:pPr marL="342900" indent="-342900">
+              <a:buFont typeface="Arial" panose="020B0604020202020204" pitchFamily="34" charset="0"/>
+              <a:buChar char="•"/>
+            </a:pPr>
+            <a:r>
+              <a:rPr lang="pt-PT" dirty="0"/>
+              <a:t>Produtos por Armazém</a:t>
+            </a:r>
+          </a:p>
+          <a:p>
+            <a:pPr marL="342900" indent="-342900">
+              <a:buFont typeface="Arial" panose="020B0604020202020204" pitchFamily="34" charset="0"/>
+              <a:buChar char="•"/>
+            </a:pPr>
+            <a:r>
+              <a:rPr lang="pt-PT" dirty="0"/>
+              <a:t>Produtos de uma Venda</a:t>
+            </a:r>
+          </a:p>
+          <a:p>
+            <a:pPr marL="342900" indent="-342900">
+              <a:buFont typeface="Arial" panose="020B0604020202020204" pitchFamily="34" charset="0"/>
+              <a:buChar char="•"/>
+            </a:pPr>
+            <a:r>
+              <a:rPr lang="pt-PT" dirty="0"/>
+              <a:t>Vendas por um Vendedor, Distribuidor, Cliente</a:t>
+            </a:r>
+          </a:p>
+          <a:p>
+            <a:pPr marL="342900" indent="-342900">
+              <a:buFont typeface="Arial" panose="020B0604020202020204" pitchFamily="34" charset="0"/>
+              <a:buChar char="•"/>
+            </a:pPr>
+            <a:r>
+              <a:rPr lang="pt-PT" dirty="0"/>
+              <a:t>Carrinhas por Distribuidor com </a:t>
+            </a:r>
+            <a:r>
+              <a:rPr lang="pt-PT" dirty="0" err="1"/>
+              <a:t>DataIn</a:t>
+            </a:r>
+            <a:r>
+              <a:rPr lang="pt-PT"/>
+              <a:t> especifica</a:t>
+            </a:r>
+            <a:endParaRPr lang="pt-PT" dirty="0"/>
+          </a:p>
+          <a:p>
+            <a:pPr marL="342900" indent="-342900">
+              <a:buFont typeface="Arial" panose="020B0604020202020204" pitchFamily="34" charset="0"/>
+              <a:buChar char="•"/>
+            </a:pPr>
+            <a:r>
+              <a:rPr lang="pt-PT" dirty="0"/>
+              <a:t>Etc…</a:t>
+            </a:r>
+          </a:p>
+          <a:p>
+            <a:pPr marL="342900" indent="-342900">
+              <a:buFont typeface="Arial" panose="020B0604020202020204" pitchFamily="34" charset="0"/>
+              <a:buChar char="•"/>
+            </a:pPr>
+            <a:endParaRPr lang="pt-PT" dirty="0"/>
           </a:p>
         </p:txBody>
       </p:sp>
@@ -20775,6 +20899,15 @@
 </file>
 
 <file path=customXml/item1.xml><?xml version="1.0" encoding="utf-8"?>
+<?mso-contentType ?>
+<FormTemplates xmlns="http://schemas.microsoft.com/sharepoint/v3/contenttype/forms">
+  <Display>DocumentLibraryForm</Display>
+  <Edit>DocumentLibraryForm</Edit>
+  <New>DocumentLibraryForm</New>
+</FormTemplates>
+</file>
+
+<file path=customXml/item2.xml><?xml version="1.0" encoding="utf-8"?>
 <ct:contentTypeSchema xmlns:ct="http://schemas.microsoft.com/office/2006/metadata/contentType" xmlns:ma="http://schemas.microsoft.com/office/2006/metadata/properties/metaAttributes" ct:_="" ma:_="" ma:contentTypeName="Document" ma:contentTypeID="0x0101005F730C21417F564BA64EB0878451A1B3" ma:contentTypeVersion="10" ma:contentTypeDescription="Create a new document." ma:contentTypeScope="" ma:versionID="8219a0ee3c1cd9aaa37702d4706c5c9d">
   <xsd:schema xmlns:xsd="http://www.w3.org/2001/XMLSchema" xmlns:xs="http://www.w3.org/2001/XMLSchema" xmlns:p="http://schemas.microsoft.com/office/2006/metadata/properties" xmlns:ns3="87f4331e-dfd8-42d8-b9f0-b5a6285bae22" targetNamespace="http://schemas.microsoft.com/office/2006/metadata/properties" ma:root="true" ma:fieldsID="be10423fdfbc682ef27a40d1f9670075" ns3:_="">
     <xsd:import namespace="87f4331e-dfd8-42d8-b9f0-b5a6285bae22"/>
@@ -20956,15 +21089,6 @@
 </ct:contentTypeSchema>
 </file>
 
-<file path=customXml/item2.xml><?xml version="1.0" encoding="utf-8"?>
-<?mso-contentType ?>
-<FormTemplates xmlns="http://schemas.microsoft.com/sharepoint/v3/contenttype/forms">
-  <Display>DocumentLibraryForm</Display>
-  <Edit>DocumentLibraryForm</Edit>
-  <New>DocumentLibraryForm</New>
-</FormTemplates>
-</file>
-
 <file path=customXml/item3.xml><?xml version="1.0" encoding="utf-8"?>
 <p:properties xmlns:p="http://schemas.microsoft.com/office/2006/metadata/properties" xmlns:xsi="http://www.w3.org/2001/XMLSchema-instance" xmlns:pc="http://schemas.microsoft.com/office/infopath/2007/PartnerControls">
   <documentManagement>
@@ -20974,6 +21098,14 @@
 </file>
 
 <file path=customXml/itemProps1.xml><?xml version="1.0" encoding="utf-8"?>
+<ds:datastoreItem xmlns:ds="http://schemas.openxmlformats.org/officeDocument/2006/customXml" ds:itemID="{654ABD97-269A-4162-BC1B-DADEAA46F32F}">
+  <ds:schemaRefs>
+    <ds:schemaRef ds:uri="http://schemas.microsoft.com/sharepoint/v3/contenttype/forms"/>
+  </ds:schemaRefs>
+</ds:datastoreItem>
+</file>
+
+<file path=customXml/itemProps2.xml><?xml version="1.0" encoding="utf-8"?>
 <ds:datastoreItem xmlns:ds="http://schemas.openxmlformats.org/officeDocument/2006/customXml" ds:itemID="{118B9ADC-57AD-4F64-AF57-1AAD8F4315BB}">
   <ds:schemaRefs>
     <ds:schemaRef ds:uri="http://schemas.microsoft.com/office/2006/metadata/contentType"/>
@@ -20987,14 +21119,6 @@
     <ds:schemaRef ds:uri="http://purl.org/dc/elements/1.1/"/>
     <ds:schemaRef ds:uri="http://purl.org/dc/terms/"/>
     <ds:schemaRef ds:uri="http://schemas.microsoft.com/internal/obd"/>
-  </ds:schemaRefs>
-</ds:datastoreItem>
-</file>
-
-<file path=customXml/itemProps2.xml><?xml version="1.0" encoding="utf-8"?>
-<ds:datastoreItem xmlns:ds="http://schemas.openxmlformats.org/officeDocument/2006/customXml" ds:itemID="{654ABD97-269A-4162-BC1B-DADEAA46F32F}">
-  <ds:schemaRefs>
-    <ds:schemaRef ds:uri="http://schemas.microsoft.com/sharepoint/v3/contenttype/forms"/>
   </ds:schemaRefs>
 </ds:datastoreItem>
 </file>
